--- a/doc/draft.pptx
+++ b/doc/draft.pptx
@@ -104,6 +104,11 @@
       </a:defRPr>
     </a:lvl9pPr>
   </p:defaultTextStyle>
+  <p:extLst>
+    <p:ext uri="{EFAFB233-063F-42B5-8137-9DF3F51BA10A}">
+      <p15:sldGuideLst xmlns:p15="http://schemas.microsoft.com/office/powerpoint/2012/main"/>
+    </p:ext>
+  </p:extLst>
 </p:presentation>
 </file>
 
@@ -254,7 +259,7 @@
           <a:p>
             <a:fld id="{17F77EB0-378D-4CC7-82F2-FE9376335C4E}" type="datetimeFigureOut">
               <a:rPr lang="zh-CN" altLang="en-US" smtClean="0"/>
-              <a:t>2022/8/21</a:t>
+              <a:t>2022/8/22</a:t>
             </a:fld>
             <a:endParaRPr lang="zh-CN" altLang="en-US"/>
           </a:p>
@@ -452,7 +457,7 @@
           <a:p>
             <a:fld id="{17F77EB0-378D-4CC7-82F2-FE9376335C4E}" type="datetimeFigureOut">
               <a:rPr lang="zh-CN" altLang="en-US" smtClean="0"/>
-              <a:t>2022/8/21</a:t>
+              <a:t>2022/8/22</a:t>
             </a:fld>
             <a:endParaRPr lang="zh-CN" altLang="en-US"/>
           </a:p>
@@ -660,7 +665,7 @@
           <a:p>
             <a:fld id="{17F77EB0-378D-4CC7-82F2-FE9376335C4E}" type="datetimeFigureOut">
               <a:rPr lang="zh-CN" altLang="en-US" smtClean="0"/>
-              <a:t>2022/8/21</a:t>
+              <a:t>2022/8/22</a:t>
             </a:fld>
             <a:endParaRPr lang="zh-CN" altLang="en-US"/>
           </a:p>
@@ -858,7 +863,7 @@
           <a:p>
             <a:fld id="{17F77EB0-378D-4CC7-82F2-FE9376335C4E}" type="datetimeFigureOut">
               <a:rPr lang="zh-CN" altLang="en-US" smtClean="0"/>
-              <a:t>2022/8/21</a:t>
+              <a:t>2022/8/22</a:t>
             </a:fld>
             <a:endParaRPr lang="zh-CN" altLang="en-US"/>
           </a:p>
@@ -1133,7 +1138,7 @@
           <a:p>
             <a:fld id="{17F77EB0-378D-4CC7-82F2-FE9376335C4E}" type="datetimeFigureOut">
               <a:rPr lang="zh-CN" altLang="en-US" smtClean="0"/>
-              <a:t>2022/8/21</a:t>
+              <a:t>2022/8/22</a:t>
             </a:fld>
             <a:endParaRPr lang="zh-CN" altLang="en-US"/>
           </a:p>
@@ -1398,7 +1403,7 @@
           <a:p>
             <a:fld id="{17F77EB0-378D-4CC7-82F2-FE9376335C4E}" type="datetimeFigureOut">
               <a:rPr lang="zh-CN" altLang="en-US" smtClean="0"/>
-              <a:t>2022/8/21</a:t>
+              <a:t>2022/8/22</a:t>
             </a:fld>
             <a:endParaRPr lang="zh-CN" altLang="en-US"/>
           </a:p>
@@ -1810,7 +1815,7 @@
           <a:p>
             <a:fld id="{17F77EB0-378D-4CC7-82F2-FE9376335C4E}" type="datetimeFigureOut">
               <a:rPr lang="zh-CN" altLang="en-US" smtClean="0"/>
-              <a:t>2022/8/21</a:t>
+              <a:t>2022/8/22</a:t>
             </a:fld>
             <a:endParaRPr lang="zh-CN" altLang="en-US"/>
           </a:p>
@@ -1951,7 +1956,7 @@
           <a:p>
             <a:fld id="{17F77EB0-378D-4CC7-82F2-FE9376335C4E}" type="datetimeFigureOut">
               <a:rPr lang="zh-CN" altLang="en-US" smtClean="0"/>
-              <a:t>2022/8/21</a:t>
+              <a:t>2022/8/22</a:t>
             </a:fld>
             <a:endParaRPr lang="zh-CN" altLang="en-US"/>
           </a:p>
@@ -2064,7 +2069,7 @@
           <a:p>
             <a:fld id="{17F77EB0-378D-4CC7-82F2-FE9376335C4E}" type="datetimeFigureOut">
               <a:rPr lang="zh-CN" altLang="en-US" smtClean="0"/>
-              <a:t>2022/8/21</a:t>
+              <a:t>2022/8/22</a:t>
             </a:fld>
             <a:endParaRPr lang="zh-CN" altLang="en-US"/>
           </a:p>
@@ -2375,7 +2380,7 @@
           <a:p>
             <a:fld id="{17F77EB0-378D-4CC7-82F2-FE9376335C4E}" type="datetimeFigureOut">
               <a:rPr lang="zh-CN" altLang="en-US" smtClean="0"/>
-              <a:t>2022/8/21</a:t>
+              <a:t>2022/8/22</a:t>
             </a:fld>
             <a:endParaRPr lang="zh-CN" altLang="en-US"/>
           </a:p>
@@ -2663,7 +2668,7 @@
           <a:p>
             <a:fld id="{17F77EB0-378D-4CC7-82F2-FE9376335C4E}" type="datetimeFigureOut">
               <a:rPr lang="zh-CN" altLang="en-US" smtClean="0"/>
-              <a:t>2022/8/21</a:t>
+              <a:t>2022/8/22</a:t>
             </a:fld>
             <a:endParaRPr lang="zh-CN" altLang="en-US"/>
           </a:p>
@@ -2904,7 +2909,7 @@
           <a:p>
             <a:fld id="{17F77EB0-378D-4CC7-82F2-FE9376335C4E}" type="datetimeFigureOut">
               <a:rPr lang="zh-CN" altLang="en-US" smtClean="0"/>
-              <a:t>2022/8/21</a:t>
+              <a:t>2022/8/22</a:t>
             </a:fld>
             <a:endParaRPr lang="zh-CN" altLang="en-US"/>
           </a:p>
@@ -3540,7 +3545,7 @@
             <a:graphicData uri="http://schemas.openxmlformats.org/presentationml/2006/ole">
               <mc:AlternateContent xmlns:mc="http://schemas.openxmlformats.org/markup-compatibility/2006">
                 <mc:Choice xmlns:v="urn:schemas-microsoft-com:vml" Requires="v">
-                  <p:oleObj spid="_x0000_s1027" name="Equation" r:id="rId3" imgW="469800" imgH="228600" progId="Equation.DSMT4">
+                  <p:oleObj spid="_x0000_s1032" name="Equation" r:id="rId3" imgW="469800" imgH="228600" progId="Equation.DSMT4">
                     <p:embed/>
                   </p:oleObj>
                 </mc:Choice>
@@ -3754,6 +3759,285 @@
           </a:prstGeom>
         </p:spPr>
       </p:pic>
+      <p:graphicFrame>
+        <p:nvGraphicFramePr>
+          <p:cNvPr id="3" name="对象 2">
+            <a:extLst>
+              <a:ext uri="{FF2B5EF4-FFF2-40B4-BE49-F238E27FC236}">
+                <a16:creationId xmlns:a16="http://schemas.microsoft.com/office/drawing/2014/main" id="{EC42F4DA-367F-4775-A07C-FEC3E5E80A3D}"/>
+              </a:ext>
+            </a:extLst>
+          </p:cNvPr>
+          <p:cNvGraphicFramePr>
+            <a:graphicFrameLocks noChangeAspect="1"/>
+          </p:cNvGraphicFramePr>
+          <p:nvPr>
+            <p:extLst>
+              <p:ext uri="{D42A27DB-BD31-4B8C-83A1-F6EECF244321}">
+                <p14:modId xmlns:p14="http://schemas.microsoft.com/office/powerpoint/2010/main" val="137475503"/>
+              </p:ext>
+            </p:extLst>
+          </p:nvPr>
+        </p:nvGraphicFramePr>
+        <p:xfrm>
+          <a:off x="4519162" y="5117709"/>
+          <a:ext cx="2200952" cy="660286"/>
+        </p:xfrm>
+        <a:graphic>
+          <a:graphicData uri="http://schemas.openxmlformats.org/presentationml/2006/ole">
+            <mc:AlternateContent xmlns:mc="http://schemas.openxmlformats.org/markup-compatibility/2006">
+              <mc:Choice xmlns:v="urn:schemas-microsoft-com:vml" Requires="v">
+                <p:oleObj spid="_x0000_s1033" name="Equation" r:id="rId7" imgW="1491788" imgH="447068" progId="Equation.DSMT4">
+                  <p:embed/>
+                </p:oleObj>
+              </mc:Choice>
+              <mc:Fallback>
+                <p:oleObj name="Equation" r:id="rId7" imgW="1491788" imgH="447068" progId="Equation.DSMT4">
+                  <p:embed/>
+                  <p:pic>
+                    <p:nvPicPr>
+                      <p:cNvPr id="0" name=""/>
+                      <p:cNvPicPr/>
+                      <p:nvPr/>
+                    </p:nvPicPr>
+                    <p:blipFill>
+                      <a:blip r:embed="rId8"/>
+                      <a:stretch>
+                        <a:fillRect/>
+                      </a:stretch>
+                    </p:blipFill>
+                    <p:spPr>
+                      <a:xfrm>
+                        <a:off x="4519162" y="5117709"/>
+                        <a:ext cx="2200952" cy="660286"/>
+                      </a:xfrm>
+                      <a:prstGeom prst="rect">
+                        <a:avLst/>
+                      </a:prstGeom>
+                    </p:spPr>
+                  </p:pic>
+                </p:oleObj>
+              </mc:Fallback>
+            </mc:AlternateContent>
+          </a:graphicData>
+        </a:graphic>
+      </p:graphicFrame>
+      <p:graphicFrame>
+        <p:nvGraphicFramePr>
+          <p:cNvPr id="4" name="对象 3">
+            <a:extLst>
+              <a:ext uri="{FF2B5EF4-FFF2-40B4-BE49-F238E27FC236}">
+                <a16:creationId xmlns:a16="http://schemas.microsoft.com/office/drawing/2014/main" id="{D45A6593-12A5-4552-8047-493FFB442290}"/>
+              </a:ext>
+            </a:extLst>
+          </p:cNvPr>
+          <p:cNvGraphicFramePr>
+            <a:graphicFrameLocks noChangeAspect="1"/>
+          </p:cNvGraphicFramePr>
+          <p:nvPr>
+            <p:extLst>
+              <p:ext uri="{D42A27DB-BD31-4B8C-83A1-F6EECF244321}">
+                <p14:modId xmlns:p14="http://schemas.microsoft.com/office/powerpoint/2010/main" val="3051863715"/>
+              </p:ext>
+            </p:extLst>
+          </p:nvPr>
+        </p:nvGraphicFramePr>
+        <p:xfrm>
+          <a:off x="4447079" y="6001409"/>
+          <a:ext cx="323351" cy="296405"/>
+        </p:xfrm>
+        <a:graphic>
+          <a:graphicData uri="http://schemas.openxmlformats.org/presentationml/2006/ole">
+            <mc:AlternateContent xmlns:mc="http://schemas.openxmlformats.org/markup-compatibility/2006">
+              <mc:Choice xmlns:v="urn:schemas-microsoft-com:vml" Requires="v">
+                <p:oleObj spid="_x0000_s1034" name="Equation" r:id="rId9" imgW="152280" imgH="139680" progId="Equation.DSMT4">
+                  <p:embed/>
+                </p:oleObj>
+              </mc:Choice>
+              <mc:Fallback>
+                <p:oleObj name="Equation" r:id="rId9" imgW="152280" imgH="139680" progId="Equation.DSMT4">
+                  <p:embed/>
+                  <p:pic>
+                    <p:nvPicPr>
+                      <p:cNvPr id="0" name=""/>
+                      <p:cNvPicPr/>
+                      <p:nvPr/>
+                    </p:nvPicPr>
+                    <p:blipFill>
+                      <a:blip r:embed="rId10"/>
+                      <a:stretch>
+                        <a:fillRect/>
+                      </a:stretch>
+                    </p:blipFill>
+                    <p:spPr>
+                      <a:xfrm>
+                        <a:off x="4447079" y="6001409"/>
+                        <a:ext cx="323351" cy="296405"/>
+                      </a:xfrm>
+                      <a:prstGeom prst="rect">
+                        <a:avLst/>
+                      </a:prstGeom>
+                    </p:spPr>
+                  </p:pic>
+                </p:oleObj>
+              </mc:Fallback>
+            </mc:AlternateContent>
+          </a:graphicData>
+        </a:graphic>
+      </p:graphicFrame>
+      <p:graphicFrame>
+        <p:nvGraphicFramePr>
+          <p:cNvPr id="7" name="对象 6">
+            <a:extLst>
+              <a:ext uri="{FF2B5EF4-FFF2-40B4-BE49-F238E27FC236}">
+                <a16:creationId xmlns:a16="http://schemas.microsoft.com/office/drawing/2014/main" id="{91ED957A-329C-4597-9814-399DDB796436}"/>
+              </a:ext>
+            </a:extLst>
+          </p:cNvPr>
+          <p:cNvGraphicFramePr>
+            <a:graphicFrameLocks noChangeAspect="1"/>
+          </p:cNvGraphicFramePr>
+          <p:nvPr>
+            <p:extLst>
+              <p:ext uri="{D42A27DB-BD31-4B8C-83A1-F6EECF244321}">
+                <p14:modId xmlns:p14="http://schemas.microsoft.com/office/powerpoint/2010/main" val="183191656"/>
+              </p:ext>
+            </p:extLst>
+          </p:nvPr>
+        </p:nvGraphicFramePr>
+        <p:xfrm>
+          <a:off x="4475788" y="6345984"/>
+          <a:ext cx="323351" cy="431135"/>
+        </p:xfrm>
+        <a:graphic>
+          <a:graphicData uri="http://schemas.openxmlformats.org/presentationml/2006/ole">
+            <mc:AlternateContent xmlns:mc="http://schemas.openxmlformats.org/markup-compatibility/2006">
+              <mc:Choice xmlns:v="urn:schemas-microsoft-com:vml" Requires="v">
+                <p:oleObj spid="_x0000_s1035" name="Equation" r:id="rId11" imgW="152280" imgH="203040" progId="Equation.DSMT4">
+                  <p:embed/>
+                </p:oleObj>
+              </mc:Choice>
+              <mc:Fallback>
+                <p:oleObj name="Equation" r:id="rId11" imgW="152280" imgH="203040" progId="Equation.DSMT4">
+                  <p:embed/>
+                  <p:pic>
+                    <p:nvPicPr>
+                      <p:cNvPr id="0" name=""/>
+                      <p:cNvPicPr/>
+                      <p:nvPr/>
+                    </p:nvPicPr>
+                    <p:blipFill>
+                      <a:blip r:embed="rId12"/>
+                      <a:stretch>
+                        <a:fillRect/>
+                      </a:stretch>
+                    </p:blipFill>
+                    <p:spPr>
+                      <a:xfrm>
+                        <a:off x="4475788" y="6345984"/>
+                        <a:ext cx="323351" cy="431135"/>
+                      </a:xfrm>
+                      <a:prstGeom prst="rect">
+                        <a:avLst/>
+                      </a:prstGeom>
+                    </p:spPr>
+                  </p:pic>
+                </p:oleObj>
+              </mc:Fallback>
+            </mc:AlternateContent>
+          </a:graphicData>
+        </a:graphic>
+      </p:graphicFrame>
+      <p:sp>
+        <p:nvSpPr>
+          <p:cNvPr id="18" name="文本框 17">
+            <a:extLst>
+              <a:ext uri="{FF2B5EF4-FFF2-40B4-BE49-F238E27FC236}">
+                <a16:creationId xmlns:a16="http://schemas.microsoft.com/office/drawing/2014/main" id="{EF4334A2-E103-4A7A-B66A-15C03CE30CB5}"/>
+              </a:ext>
+            </a:extLst>
+          </p:cNvPr>
+          <p:cNvSpPr txBox="1"/>
+          <p:nvPr/>
+        </p:nvSpPr>
+        <p:spPr>
+          <a:xfrm>
+            <a:off x="4773331" y="5928482"/>
+            <a:ext cx="830943" cy="369332"/>
+          </a:xfrm>
+          <a:prstGeom prst="rect">
+            <a:avLst/>
+          </a:prstGeom>
+          <a:noFill/>
+        </p:spPr>
+        <p:txBody>
+          <a:bodyPr wrap="square" rtlCol="0">
+            <a:spAutoFit/>
+          </a:bodyPr>
+          <a:lstStyle/>
+          <a:p>
+            <a:pPr algn="l"/>
+            <a:r>
+              <a:rPr lang="en-US" altLang="zh-CN" dirty="0">
+                <a:latin typeface="Times New Roman" panose="02020603050405020304" pitchFamily="18" charset="0"/>
+                <a:ea typeface="宋体" panose="02010600030101010101" pitchFamily="2" charset="-122"/>
+                <a:cs typeface="Times New Roman" panose="02020603050405020304" pitchFamily="18" charset="0"/>
+              </a:rPr>
+              <a:t>shape</a:t>
+            </a:r>
+            <a:endParaRPr lang="zh-CN" altLang="en-US" dirty="0">
+              <a:latin typeface="Times New Roman" panose="02020603050405020304" pitchFamily="18" charset="0"/>
+              <a:ea typeface="宋体" panose="02010600030101010101" pitchFamily="2" charset="-122"/>
+              <a:cs typeface="Times New Roman" panose="02020603050405020304" pitchFamily="18" charset="0"/>
+            </a:endParaRPr>
+          </a:p>
+        </p:txBody>
+      </p:sp>
+      <p:sp>
+        <p:nvSpPr>
+          <p:cNvPr id="19" name="文本框 18">
+            <a:extLst>
+              <a:ext uri="{FF2B5EF4-FFF2-40B4-BE49-F238E27FC236}">
+                <a16:creationId xmlns:a16="http://schemas.microsoft.com/office/drawing/2014/main" id="{EB72E524-906A-4A61-9324-EE553BB56EF0}"/>
+              </a:ext>
+            </a:extLst>
+          </p:cNvPr>
+          <p:cNvSpPr txBox="1"/>
+          <p:nvPr/>
+        </p:nvSpPr>
+        <p:spPr>
+          <a:xfrm>
+            <a:off x="4773331" y="6345984"/>
+            <a:ext cx="830943" cy="369332"/>
+          </a:xfrm>
+          <a:prstGeom prst="rect">
+            <a:avLst/>
+          </a:prstGeom>
+          <a:noFill/>
+        </p:spPr>
+        <p:txBody>
+          <a:bodyPr wrap="square" rtlCol="0">
+            <a:spAutoFit/>
+          </a:bodyPr>
+          <a:lstStyle/>
+          <a:p>
+            <a:pPr algn="l"/>
+            <a:r>
+              <a:rPr lang="en-US" altLang="zh-CN" dirty="0">
+                <a:latin typeface="Times New Roman" panose="02020603050405020304" pitchFamily="18" charset="0"/>
+                <a:ea typeface="宋体" panose="02010600030101010101" pitchFamily="2" charset="-122"/>
+                <a:cs typeface="Times New Roman" panose="02020603050405020304" pitchFamily="18" charset="0"/>
+              </a:rPr>
+              <a:t>scale</a:t>
+            </a:r>
+            <a:endParaRPr lang="zh-CN" altLang="en-US" dirty="0">
+              <a:latin typeface="Times New Roman" panose="02020603050405020304" pitchFamily="18" charset="0"/>
+              <a:ea typeface="宋体" panose="02010600030101010101" pitchFamily="2" charset="-122"/>
+              <a:cs typeface="Times New Roman" panose="02020603050405020304" pitchFamily="18" charset="0"/>
+            </a:endParaRPr>
+          </a:p>
+        </p:txBody>
+      </p:sp>
     </p:spTree>
     <p:extLst>
       <p:ext uri="{BB962C8B-B14F-4D97-AF65-F5344CB8AC3E}">
